--- a/App_OAuth.pptx
+++ b/App_OAuth.pptx
@@ -239,7 +239,7 @@
             <a:fld id="{4FA97C34-DE1A-4F07-B23A-49A281700986}" type="datetimeFigureOut">
               <a:rPr lang="en-US" smtClean="0"/>
               <a:pPr/>
-              <a:t>5/26/2021</a:t>
+              <a:t>6/8/2021</a:t>
             </a:fld>
             <a:endParaRPr lang="en-IN"/>
           </a:p>
@@ -410,7 +410,7 @@
             <a:fld id="{8D1C033F-007B-44E2-8F29-2380077A422B}" type="datetimeFigureOut">
               <a:rPr lang="en-US" smtClean="0"/>
               <a:pPr/>
-              <a:t>5/26/2021</a:t>
+              <a:t>6/8/2021</a:t>
             </a:fld>
             <a:endParaRPr lang="en-IN"/>
           </a:p>
@@ -1346,7 +1346,7 @@
           <p:cNvPr id="3" name="TextBox 2">
             <a:extLst>
               <a:ext uri="{FF2B5EF4-FFF2-40B4-BE49-F238E27FC236}">
-                <a16:creationId xmlns:a16="http://schemas.microsoft.com/office/drawing/2014/main" id="{6FF96675-5845-4461-977F-B06B77CA9A4A}"/>
+                <a16:creationId xmlns:a16="http://schemas.microsoft.com/office/drawing/2014/main" xmlns="" id="{6FF96675-5845-4461-977F-B06B77CA9A4A}"/>
               </a:ext>
             </a:extLst>
           </p:cNvPr>
@@ -1382,7 +1382,7 @@
           <p:cNvPr id="4" name="Rectangle: Rounded Corners 3">
             <a:extLst>
               <a:ext uri="{FF2B5EF4-FFF2-40B4-BE49-F238E27FC236}">
-                <a16:creationId xmlns:a16="http://schemas.microsoft.com/office/drawing/2014/main" id="{1DCCF59C-7203-43C5-B76A-53AED5C4235A}"/>
+                <a16:creationId xmlns:a16="http://schemas.microsoft.com/office/drawing/2014/main" xmlns="" id="{1DCCF59C-7203-43C5-B76A-53AED5C4235A}"/>
               </a:ext>
             </a:extLst>
           </p:cNvPr>
@@ -1468,7 +1468,7 @@
           <p:cNvPr id="5" name="Rectangle: Rounded Corners 4">
             <a:extLst>
               <a:ext uri="{FF2B5EF4-FFF2-40B4-BE49-F238E27FC236}">
-                <a16:creationId xmlns:a16="http://schemas.microsoft.com/office/drawing/2014/main" id="{59B0CCF0-FD88-446F-A005-E1EE42D5312E}"/>
+                <a16:creationId xmlns:a16="http://schemas.microsoft.com/office/drawing/2014/main" xmlns="" id="{59B0CCF0-FD88-446F-A005-E1EE42D5312E}"/>
               </a:ext>
             </a:extLst>
           </p:cNvPr>
@@ -1536,7 +1536,7 @@
           <p:cNvPr id="7" name="Rectangle: Rounded Corners 6">
             <a:extLst>
               <a:ext uri="{FF2B5EF4-FFF2-40B4-BE49-F238E27FC236}">
-                <a16:creationId xmlns:a16="http://schemas.microsoft.com/office/drawing/2014/main" id="{1F576909-BB10-43AE-B757-A99A9473FEEB}"/>
+                <a16:creationId xmlns:a16="http://schemas.microsoft.com/office/drawing/2014/main" xmlns="" id="{1F576909-BB10-43AE-B757-A99A9473FEEB}"/>
               </a:ext>
             </a:extLst>
           </p:cNvPr>
@@ -1593,7 +1593,7 @@
           <p:cNvPr id="8" name="Rectangle: Rounded Corners 7">
             <a:extLst>
               <a:ext uri="{FF2B5EF4-FFF2-40B4-BE49-F238E27FC236}">
-                <a16:creationId xmlns:a16="http://schemas.microsoft.com/office/drawing/2014/main" id="{D395B432-0450-4E38-921C-44CBB1421290}"/>
+                <a16:creationId xmlns:a16="http://schemas.microsoft.com/office/drawing/2014/main" xmlns="" id="{D395B432-0450-4E38-921C-44CBB1421290}"/>
               </a:ext>
             </a:extLst>
           </p:cNvPr>
@@ -1650,7 +1650,7 @@
           <p:cNvPr id="12" name="Straight Arrow Connector 11">
             <a:extLst>
               <a:ext uri="{FF2B5EF4-FFF2-40B4-BE49-F238E27FC236}">
-                <a16:creationId xmlns:a16="http://schemas.microsoft.com/office/drawing/2014/main" id="{B8C60F1F-9D09-4B66-812D-E6C549CA7A26}"/>
+                <a16:creationId xmlns:a16="http://schemas.microsoft.com/office/drawing/2014/main" xmlns="" id="{B8C60F1F-9D09-4B66-812D-E6C549CA7A26}"/>
               </a:ext>
             </a:extLst>
           </p:cNvPr>
@@ -1691,7 +1691,7 @@
           <p:cNvPr id="18" name="Straight Arrow Connector 17">
             <a:extLst>
               <a:ext uri="{FF2B5EF4-FFF2-40B4-BE49-F238E27FC236}">
-                <a16:creationId xmlns:a16="http://schemas.microsoft.com/office/drawing/2014/main" id="{55B3561C-7711-4D56-A794-A287D81817BF}"/>
+                <a16:creationId xmlns:a16="http://schemas.microsoft.com/office/drawing/2014/main" xmlns="" id="{55B3561C-7711-4D56-A794-A287D81817BF}"/>
               </a:ext>
             </a:extLst>
           </p:cNvPr>
@@ -1732,7 +1732,7 @@
           <p:cNvPr id="21" name="TextBox 20">
             <a:extLst>
               <a:ext uri="{FF2B5EF4-FFF2-40B4-BE49-F238E27FC236}">
-                <a16:creationId xmlns:a16="http://schemas.microsoft.com/office/drawing/2014/main" id="{288B5756-1433-4F37-9B76-E74DDAC240F1}"/>
+                <a16:creationId xmlns:a16="http://schemas.microsoft.com/office/drawing/2014/main" xmlns="" id="{288B5756-1433-4F37-9B76-E74DDAC240F1}"/>
               </a:ext>
             </a:extLst>
           </p:cNvPr>
@@ -1867,7 +1867,7 @@
           <p:cNvPr id="23" name="Rectangle: Rounded Corners 22">
             <a:extLst>
               <a:ext uri="{FF2B5EF4-FFF2-40B4-BE49-F238E27FC236}">
-                <a16:creationId xmlns:a16="http://schemas.microsoft.com/office/drawing/2014/main" id="{CC124E38-156E-44E4-9614-616F5C02B223}"/>
+                <a16:creationId xmlns:a16="http://schemas.microsoft.com/office/drawing/2014/main" xmlns="" id="{CC124E38-156E-44E4-9614-616F5C02B223}"/>
               </a:ext>
             </a:extLst>
           </p:cNvPr>
@@ -1924,7 +1924,7 @@
           <p:cNvPr id="34" name="Rectangle: Rounded Corners 33">
             <a:extLst>
               <a:ext uri="{FF2B5EF4-FFF2-40B4-BE49-F238E27FC236}">
-                <a16:creationId xmlns:a16="http://schemas.microsoft.com/office/drawing/2014/main" id="{1E88A66C-E7B2-455B-8697-8F6813ED94C7}"/>
+                <a16:creationId xmlns:a16="http://schemas.microsoft.com/office/drawing/2014/main" xmlns="" id="{1E88A66C-E7B2-455B-8697-8F6813ED94C7}"/>
               </a:ext>
             </a:extLst>
           </p:cNvPr>
@@ -1981,7 +1981,7 @@
           <p:cNvPr id="27" name="Straight Arrow Connector 26">
             <a:extLst>
               <a:ext uri="{FF2B5EF4-FFF2-40B4-BE49-F238E27FC236}">
-                <a16:creationId xmlns:a16="http://schemas.microsoft.com/office/drawing/2014/main" id="{62EB4C59-666E-42D8-8A56-0178B1B97916}"/>
+                <a16:creationId xmlns:a16="http://schemas.microsoft.com/office/drawing/2014/main" xmlns="" id="{62EB4C59-666E-42D8-8A56-0178B1B97916}"/>
               </a:ext>
             </a:extLst>
           </p:cNvPr>
@@ -2022,7 +2022,7 @@
           <p:cNvPr id="13" name="Rectangle: Rounded Corners 12">
             <a:extLst>
               <a:ext uri="{FF2B5EF4-FFF2-40B4-BE49-F238E27FC236}">
-                <a16:creationId xmlns:a16="http://schemas.microsoft.com/office/drawing/2014/main" id="{3BE442B4-B675-4150-A4C8-F654DA299222}"/>
+                <a16:creationId xmlns:a16="http://schemas.microsoft.com/office/drawing/2014/main" xmlns="" id="{3BE442B4-B675-4150-A4C8-F654DA299222}"/>
               </a:ext>
             </a:extLst>
           </p:cNvPr>
@@ -2104,101 +2104,12 @@
           <a:chExt cx="0" cy="0"/>
         </a:xfrm>
       </p:grpSpPr>
-      <p:sp>
-        <p:nvSpPr>
-          <p:cNvPr id="3" name="TextBox 2">
-            <a:extLst>
-              <a:ext uri="{FF2B5EF4-FFF2-40B4-BE49-F238E27FC236}">
-                <a16:creationId xmlns:a16="http://schemas.microsoft.com/office/drawing/2014/main" id="{6FF96675-5845-4461-977F-B06B77CA9A4A}"/>
-              </a:ext>
-            </a:extLst>
-          </p:cNvPr>
-          <p:cNvSpPr txBox="1"/>
-          <p:nvPr/>
-        </p:nvSpPr>
-        <p:spPr>
-          <a:xfrm>
-            <a:off x="623392" y="404664"/>
-            <a:ext cx="3024336" cy="369332"/>
-          </a:xfrm>
-          <a:prstGeom prst="rect">
-            <a:avLst/>
-          </a:prstGeom>
-          <a:noFill/>
-        </p:spPr>
-        <p:txBody>
-          <a:bodyPr wrap="square" rtlCol="0">
-            <a:spAutoFit/>
-          </a:bodyPr>
-          <a:lstStyle/>
-          <a:p>
-            <a:r>
-              <a:rPr lang="en-US" b="1" dirty="0"/>
-              <a:t> SGD 250</a:t>
-            </a:r>
-            <a:endParaRPr lang="en-US" dirty="0"/>
-          </a:p>
-        </p:txBody>
-      </p:sp>
-      <p:sp>
-        <p:nvSpPr>
-          <p:cNvPr id="21" name="TextBox 20">
-            <a:extLst>
-              <a:ext uri="{FF2B5EF4-FFF2-40B4-BE49-F238E27FC236}">
-                <a16:creationId xmlns:a16="http://schemas.microsoft.com/office/drawing/2014/main" id="{288B5756-1433-4F37-9B76-E74DDAC240F1}"/>
-              </a:ext>
-            </a:extLst>
-          </p:cNvPr>
-          <p:cNvSpPr txBox="1"/>
-          <p:nvPr/>
-        </p:nvSpPr>
-        <p:spPr>
-          <a:xfrm>
-            <a:off x="606951" y="773996"/>
-            <a:ext cx="11233248" cy="1200329"/>
-          </a:xfrm>
-          <a:prstGeom prst="rect">
-            <a:avLst/>
-          </a:prstGeom>
-          <a:noFill/>
-        </p:spPr>
-        <p:txBody>
-          <a:bodyPr wrap="square" rtlCol="0">
-            <a:spAutoFit/>
-          </a:bodyPr>
-          <a:lstStyle/>
-          <a:p>
-            <a:r>
-              <a:rPr lang="en-US" dirty="0"/>
-              <a:t>Milestone1 $ 50 : Agree design of the application - (agree on framework, how flow is designed, identify requirements)</a:t>
-            </a:r>
-          </a:p>
-          <a:p>
-            <a:r>
-              <a:rPr lang="en-US" dirty="0"/>
-              <a:t>Milestone2 $ 75 : Azure AD integration</a:t>
-            </a:r>
-          </a:p>
-          <a:p>
-            <a:r>
-              <a:rPr lang="en-US" dirty="0"/>
-              <a:t>Milestone3 $ 75 : Cognito integration</a:t>
-            </a:r>
-          </a:p>
-          <a:p>
-            <a:r>
-              <a:rPr lang="en-US" dirty="0"/>
-              <a:t>Milestone4 $ 50 : Documentation</a:t>
-            </a:r>
-          </a:p>
-        </p:txBody>
-      </p:sp>
       <p:pic>
         <p:nvPicPr>
           <p:cNvPr id="46" name="Picture 45">
             <a:extLst>
               <a:ext uri="{FF2B5EF4-FFF2-40B4-BE49-F238E27FC236}">
-                <a16:creationId xmlns:a16="http://schemas.microsoft.com/office/drawing/2014/main" id="{7FADF1F4-A521-4321-AAFA-6351145A7AB4}"/>
+                <a16:creationId xmlns:a16="http://schemas.microsoft.com/office/drawing/2014/main" xmlns="" id="{7FADF1F4-A521-4321-AAFA-6351145A7AB4}"/>
               </a:ext>
             </a:extLst>
           </p:cNvPr>
@@ -2228,7 +2139,7 @@
           <p:cNvPr id="48" name="Picture 47">
             <a:extLst>
               <a:ext uri="{FF2B5EF4-FFF2-40B4-BE49-F238E27FC236}">
-                <a16:creationId xmlns:a16="http://schemas.microsoft.com/office/drawing/2014/main" id="{4191DA85-9FCA-40B9-A70F-417FB4C75F57}"/>
+                <a16:creationId xmlns:a16="http://schemas.microsoft.com/office/drawing/2014/main" xmlns="" id="{4191DA85-9FCA-40B9-A70F-417FB4C75F57}"/>
               </a:ext>
             </a:extLst>
           </p:cNvPr>
@@ -2258,7 +2169,7 @@
           <p:cNvPr id="50" name="Picture 49">
             <a:extLst>
               <a:ext uri="{FF2B5EF4-FFF2-40B4-BE49-F238E27FC236}">
-                <a16:creationId xmlns:a16="http://schemas.microsoft.com/office/drawing/2014/main" id="{F3649961-66BE-4586-A4D8-3DD7BC7728B8}"/>
+                <a16:creationId xmlns:a16="http://schemas.microsoft.com/office/drawing/2014/main" xmlns="" id="{F3649961-66BE-4586-A4D8-3DD7BC7728B8}"/>
               </a:ext>
             </a:extLst>
           </p:cNvPr>
@@ -2288,7 +2199,7 @@
           <p:cNvPr id="52" name="Picture 51">
             <a:extLst>
               <a:ext uri="{FF2B5EF4-FFF2-40B4-BE49-F238E27FC236}">
-                <a16:creationId xmlns:a16="http://schemas.microsoft.com/office/drawing/2014/main" id="{AF4B0DF4-1B0C-4F10-AC3F-42CAB546CB00}"/>
+                <a16:creationId xmlns:a16="http://schemas.microsoft.com/office/drawing/2014/main" xmlns="" id="{AF4B0DF4-1B0C-4F10-AC3F-42CAB546CB00}"/>
               </a:ext>
             </a:extLst>
           </p:cNvPr>

--- a/App_OAuth.pptx
+++ b/App_OAuth.pptx
@@ -1346,7 +1346,7 @@
           <p:cNvPr id="3" name="TextBox 2">
             <a:extLst>
               <a:ext uri="{FF2B5EF4-FFF2-40B4-BE49-F238E27FC236}">
-                <a16:creationId xmlns:a16="http://schemas.microsoft.com/office/drawing/2014/main" xmlns="" id="{6FF96675-5845-4461-977F-B06B77CA9A4A}"/>
+                <a16:creationId xmlns="" xmlns:a16="http://schemas.microsoft.com/office/drawing/2014/main" id="{6FF96675-5845-4461-977F-B06B77CA9A4A}"/>
               </a:ext>
             </a:extLst>
           </p:cNvPr>
@@ -1382,7 +1382,7 @@
           <p:cNvPr id="4" name="Rectangle: Rounded Corners 3">
             <a:extLst>
               <a:ext uri="{FF2B5EF4-FFF2-40B4-BE49-F238E27FC236}">
-                <a16:creationId xmlns:a16="http://schemas.microsoft.com/office/drawing/2014/main" xmlns="" id="{1DCCF59C-7203-43C5-B76A-53AED5C4235A}"/>
+                <a16:creationId xmlns="" xmlns:a16="http://schemas.microsoft.com/office/drawing/2014/main" id="{1DCCF59C-7203-43C5-B76A-53AED5C4235A}"/>
               </a:ext>
             </a:extLst>
           </p:cNvPr>
@@ -1468,7 +1468,7 @@
           <p:cNvPr id="5" name="Rectangle: Rounded Corners 4">
             <a:extLst>
               <a:ext uri="{FF2B5EF4-FFF2-40B4-BE49-F238E27FC236}">
-                <a16:creationId xmlns:a16="http://schemas.microsoft.com/office/drawing/2014/main" xmlns="" id="{59B0CCF0-FD88-446F-A005-E1EE42D5312E}"/>
+                <a16:creationId xmlns="" xmlns:a16="http://schemas.microsoft.com/office/drawing/2014/main" id="{59B0CCF0-FD88-446F-A005-E1EE42D5312E}"/>
               </a:ext>
             </a:extLst>
           </p:cNvPr>
@@ -1536,7 +1536,7 @@
           <p:cNvPr id="7" name="Rectangle: Rounded Corners 6">
             <a:extLst>
               <a:ext uri="{FF2B5EF4-FFF2-40B4-BE49-F238E27FC236}">
-                <a16:creationId xmlns:a16="http://schemas.microsoft.com/office/drawing/2014/main" xmlns="" id="{1F576909-BB10-43AE-B757-A99A9473FEEB}"/>
+                <a16:creationId xmlns="" xmlns:a16="http://schemas.microsoft.com/office/drawing/2014/main" id="{1F576909-BB10-43AE-B757-A99A9473FEEB}"/>
               </a:ext>
             </a:extLst>
           </p:cNvPr>
@@ -1593,7 +1593,7 @@
           <p:cNvPr id="8" name="Rectangle: Rounded Corners 7">
             <a:extLst>
               <a:ext uri="{FF2B5EF4-FFF2-40B4-BE49-F238E27FC236}">
-                <a16:creationId xmlns:a16="http://schemas.microsoft.com/office/drawing/2014/main" xmlns="" id="{D395B432-0450-4E38-921C-44CBB1421290}"/>
+                <a16:creationId xmlns="" xmlns:a16="http://schemas.microsoft.com/office/drawing/2014/main" id="{D395B432-0450-4E38-921C-44CBB1421290}"/>
               </a:ext>
             </a:extLst>
           </p:cNvPr>
@@ -1650,7 +1650,7 @@
           <p:cNvPr id="12" name="Straight Arrow Connector 11">
             <a:extLst>
               <a:ext uri="{FF2B5EF4-FFF2-40B4-BE49-F238E27FC236}">
-                <a16:creationId xmlns:a16="http://schemas.microsoft.com/office/drawing/2014/main" xmlns="" id="{B8C60F1F-9D09-4B66-812D-E6C549CA7A26}"/>
+                <a16:creationId xmlns="" xmlns:a16="http://schemas.microsoft.com/office/drawing/2014/main" id="{B8C60F1F-9D09-4B66-812D-E6C549CA7A26}"/>
               </a:ext>
             </a:extLst>
           </p:cNvPr>
@@ -1691,7 +1691,7 @@
           <p:cNvPr id="18" name="Straight Arrow Connector 17">
             <a:extLst>
               <a:ext uri="{FF2B5EF4-FFF2-40B4-BE49-F238E27FC236}">
-                <a16:creationId xmlns:a16="http://schemas.microsoft.com/office/drawing/2014/main" xmlns="" id="{55B3561C-7711-4D56-A794-A287D81817BF}"/>
+                <a16:creationId xmlns="" xmlns:a16="http://schemas.microsoft.com/office/drawing/2014/main" id="{55B3561C-7711-4D56-A794-A287D81817BF}"/>
               </a:ext>
             </a:extLst>
           </p:cNvPr>
@@ -1732,7 +1732,7 @@
           <p:cNvPr id="21" name="TextBox 20">
             <a:extLst>
               <a:ext uri="{FF2B5EF4-FFF2-40B4-BE49-F238E27FC236}">
-                <a16:creationId xmlns:a16="http://schemas.microsoft.com/office/drawing/2014/main" xmlns="" id="{288B5756-1433-4F37-9B76-E74DDAC240F1}"/>
+                <a16:creationId xmlns="" xmlns:a16="http://schemas.microsoft.com/office/drawing/2014/main" id="{288B5756-1433-4F37-9B76-E74DDAC240F1}"/>
               </a:ext>
             </a:extLst>
           </p:cNvPr>
@@ -1742,7 +1742,7 @@
         <p:spPr>
           <a:xfrm>
             <a:off x="335360" y="2320201"/>
-            <a:ext cx="11593288" cy="3693319"/>
+            <a:ext cx="11593288" cy="3970318"/>
           </a:xfrm>
           <a:prstGeom prst="rect">
             <a:avLst/>
@@ -1757,8 +1757,19 @@
           <a:p>
             <a:r>
               <a:rPr lang="en-US" dirty="0"/>
-              <a:t>Application need to authenticate to Azure AD and Cognito. There should be a login page with two options to login – Azure AD and Cognito. After login application should display user details  with logout option(Refer screen layout in the next page)</a:t>
-            </a:r>
+              <a:t>Application need to authenticate to Azure AD and Cognito. There should be a login page with two options to login – Azure AD and Cognito. After login application should display user details  with logout option(Refer screen layout in the next </a:t>
+            </a:r>
+            <a:r>
+              <a:rPr lang="en-US"/>
+              <a:t>page</a:t>
+            </a:r>
+            <a:r>
+              <a:rPr lang="en-US" smtClean="0"/>
+              <a:t>)</a:t>
+            </a:r>
+          </a:p>
+          <a:p>
+            <a:endParaRPr lang="en-US" dirty="0"/>
           </a:p>
           <a:p>
             <a:r>
@@ -1811,13 +1822,8 @@
             </a:r>
             <a:r>
               <a:rPr lang="en-US" dirty="0"/>
-              <a:t>, no other </a:t>
-            </a:r>
-            <a:r>
-              <a:rPr lang="en-US"/>
-              <a:t>external libraries</a:t>
-            </a:r>
-            <a:endParaRPr lang="en-US" dirty="0"/>
+              <a:t>, no other external libraries</a:t>
+            </a:r>
           </a:p>
           <a:p>
             <a:r>
@@ -1867,7 +1873,7 @@
           <p:cNvPr id="23" name="Rectangle: Rounded Corners 22">
             <a:extLst>
               <a:ext uri="{FF2B5EF4-FFF2-40B4-BE49-F238E27FC236}">
-                <a16:creationId xmlns:a16="http://schemas.microsoft.com/office/drawing/2014/main" xmlns="" id="{CC124E38-156E-44E4-9614-616F5C02B223}"/>
+                <a16:creationId xmlns="" xmlns:a16="http://schemas.microsoft.com/office/drawing/2014/main" id="{CC124E38-156E-44E4-9614-616F5C02B223}"/>
               </a:ext>
             </a:extLst>
           </p:cNvPr>
@@ -1924,7 +1930,7 @@
           <p:cNvPr id="34" name="Rectangle: Rounded Corners 33">
             <a:extLst>
               <a:ext uri="{FF2B5EF4-FFF2-40B4-BE49-F238E27FC236}">
-                <a16:creationId xmlns:a16="http://schemas.microsoft.com/office/drawing/2014/main" xmlns="" id="{1E88A66C-E7B2-455B-8697-8F6813ED94C7}"/>
+                <a16:creationId xmlns="" xmlns:a16="http://schemas.microsoft.com/office/drawing/2014/main" id="{1E88A66C-E7B2-455B-8697-8F6813ED94C7}"/>
               </a:ext>
             </a:extLst>
           </p:cNvPr>
@@ -1981,7 +1987,7 @@
           <p:cNvPr id="27" name="Straight Arrow Connector 26">
             <a:extLst>
               <a:ext uri="{FF2B5EF4-FFF2-40B4-BE49-F238E27FC236}">
-                <a16:creationId xmlns:a16="http://schemas.microsoft.com/office/drawing/2014/main" xmlns="" id="{62EB4C59-666E-42D8-8A56-0178B1B97916}"/>
+                <a16:creationId xmlns="" xmlns:a16="http://schemas.microsoft.com/office/drawing/2014/main" id="{62EB4C59-666E-42D8-8A56-0178B1B97916}"/>
               </a:ext>
             </a:extLst>
           </p:cNvPr>
@@ -2022,7 +2028,7 @@
           <p:cNvPr id="13" name="Rectangle: Rounded Corners 12">
             <a:extLst>
               <a:ext uri="{FF2B5EF4-FFF2-40B4-BE49-F238E27FC236}">
-                <a16:creationId xmlns:a16="http://schemas.microsoft.com/office/drawing/2014/main" xmlns="" id="{3BE442B4-B675-4150-A4C8-F654DA299222}"/>
+                <a16:creationId xmlns="" xmlns:a16="http://schemas.microsoft.com/office/drawing/2014/main" id="{3BE442B4-B675-4150-A4C8-F654DA299222}"/>
               </a:ext>
             </a:extLst>
           </p:cNvPr>
@@ -2109,7 +2115,7 @@
           <p:cNvPr id="46" name="Picture 45">
             <a:extLst>
               <a:ext uri="{FF2B5EF4-FFF2-40B4-BE49-F238E27FC236}">
-                <a16:creationId xmlns:a16="http://schemas.microsoft.com/office/drawing/2014/main" xmlns="" id="{7FADF1F4-A521-4321-AAFA-6351145A7AB4}"/>
+                <a16:creationId xmlns="" xmlns:a16="http://schemas.microsoft.com/office/drawing/2014/main" id="{7FADF1F4-A521-4321-AAFA-6351145A7AB4}"/>
               </a:ext>
             </a:extLst>
           </p:cNvPr>
@@ -2139,7 +2145,7 @@
           <p:cNvPr id="48" name="Picture 47">
             <a:extLst>
               <a:ext uri="{FF2B5EF4-FFF2-40B4-BE49-F238E27FC236}">
-                <a16:creationId xmlns:a16="http://schemas.microsoft.com/office/drawing/2014/main" xmlns="" id="{4191DA85-9FCA-40B9-A70F-417FB4C75F57}"/>
+                <a16:creationId xmlns="" xmlns:a16="http://schemas.microsoft.com/office/drawing/2014/main" id="{4191DA85-9FCA-40B9-A70F-417FB4C75F57}"/>
               </a:ext>
             </a:extLst>
           </p:cNvPr>
@@ -2169,7 +2175,7 @@
           <p:cNvPr id="50" name="Picture 49">
             <a:extLst>
               <a:ext uri="{FF2B5EF4-FFF2-40B4-BE49-F238E27FC236}">
-                <a16:creationId xmlns:a16="http://schemas.microsoft.com/office/drawing/2014/main" xmlns="" id="{F3649961-66BE-4586-A4D8-3DD7BC7728B8}"/>
+                <a16:creationId xmlns="" xmlns:a16="http://schemas.microsoft.com/office/drawing/2014/main" id="{F3649961-66BE-4586-A4D8-3DD7BC7728B8}"/>
               </a:ext>
             </a:extLst>
           </p:cNvPr>
@@ -2199,7 +2205,7 @@
           <p:cNvPr id="52" name="Picture 51">
             <a:extLst>
               <a:ext uri="{FF2B5EF4-FFF2-40B4-BE49-F238E27FC236}">
-                <a16:creationId xmlns:a16="http://schemas.microsoft.com/office/drawing/2014/main" xmlns="" id="{AF4B0DF4-1B0C-4F10-AC3F-42CAB546CB00}"/>
+                <a16:creationId xmlns="" xmlns:a16="http://schemas.microsoft.com/office/drawing/2014/main" id="{AF4B0DF4-1B0C-4F10-AC3F-42CAB546CB00}"/>
               </a:ext>
             </a:extLst>
           </p:cNvPr>
